--- a/presentations/IT Refresh - Overview.pptx
+++ b/presentations/IT Refresh - Overview.pptx
@@ -394,7 +394,7 @@
           <a:p>
             <a:fld id="{0BE8C07D-36AB-2444-93C5-156FEF9C6BE1}" type="datetimeFigureOut">
               <a:rPr lang="en-US" smtClean="0"/>
-              <a:t>7/28/14</a:t>
+              <a:t>8/29/14</a:t>
             </a:fld>
             <a:endParaRPr lang="en-US"/>
           </a:p>
@@ -586,7 +586,7 @@
           <a:p>
             <a:fld id="{0BE8C07D-36AB-2444-93C5-156FEF9C6BE1}" type="datetimeFigureOut">
               <a:rPr lang="en-US" smtClean="0"/>
-              <a:t>7/28/14</a:t>
+              <a:t>8/29/14</a:t>
             </a:fld>
             <a:endParaRPr lang="en-US"/>
           </a:p>
@@ -855,7 +855,7 @@
           <a:p>
             <a:fld id="{0BE8C07D-36AB-2444-93C5-156FEF9C6BE1}" type="datetimeFigureOut">
               <a:rPr lang="en-US" smtClean="0"/>
-              <a:t>7/28/14</a:t>
+              <a:t>8/29/14</a:t>
             </a:fld>
             <a:endParaRPr lang="en-US"/>
           </a:p>
@@ -1034,7 +1034,7 @@
           <a:p>
             <a:fld id="{0BE8C07D-36AB-2444-93C5-156FEF9C6BE1}" type="datetimeFigureOut">
               <a:rPr lang="en-US" smtClean="0"/>
-              <a:t>7/28/14</a:t>
+              <a:t>8/29/14</a:t>
             </a:fld>
             <a:endParaRPr lang="en-US"/>
           </a:p>
@@ -1203,7 +1203,7 @@
           <a:p>
             <a:fld id="{0BE8C07D-36AB-2444-93C5-156FEF9C6BE1}" type="datetimeFigureOut">
               <a:rPr lang="en-US" smtClean="0"/>
-              <a:t>7/28/14</a:t>
+              <a:t>8/29/14</a:t>
             </a:fld>
             <a:endParaRPr lang="en-US"/>
           </a:p>
@@ -1446,7 +1446,7 @@
             <a:fld id="{0BE8C07D-36AB-2444-93C5-156FEF9C6BE1}" type="datetimeFigureOut">
               <a:rPr lang="en-US" smtClean="0"/>
               <a:pPr/>
-              <a:t>7/28/14</a:t>
+              <a:t>8/29/14</a:t>
             </a:fld>
             <a:endParaRPr lang="en-US"/>
           </a:p>
@@ -1770,7 +1770,7 @@
           <a:p>
             <a:fld id="{0BE8C07D-36AB-2444-93C5-156FEF9C6BE1}" type="datetimeFigureOut">
               <a:rPr lang="en-US" smtClean="0"/>
-              <a:t>7/28/14</a:t>
+              <a:t>8/29/14</a:t>
             </a:fld>
             <a:endParaRPr lang="en-US"/>
           </a:p>
@@ -2068,7 +2068,7 @@
           <a:p>
             <a:fld id="{0BE8C07D-36AB-2444-93C5-156FEF9C6BE1}" type="datetimeFigureOut">
               <a:rPr lang="en-US" smtClean="0"/>
-              <a:t>7/28/14</a:t>
+              <a:t>8/29/14</a:t>
             </a:fld>
             <a:endParaRPr lang="en-US"/>
           </a:p>
@@ -2524,7 +2524,7 @@
           <a:p>
             <a:fld id="{0BE8C07D-36AB-2444-93C5-156FEF9C6BE1}" type="datetimeFigureOut">
               <a:rPr lang="en-US" smtClean="0"/>
-              <a:t>7/28/14</a:t>
+              <a:t>8/29/14</a:t>
             </a:fld>
             <a:endParaRPr lang="en-US"/>
           </a:p>
@@ -2637,7 +2637,7 @@
           <a:p>
             <a:fld id="{0BE8C07D-36AB-2444-93C5-156FEF9C6BE1}" type="datetimeFigureOut">
               <a:rPr lang="en-US" smtClean="0"/>
-              <a:t>7/28/14</a:t>
+              <a:t>8/29/14</a:t>
             </a:fld>
             <a:endParaRPr lang="en-US"/>
           </a:p>
@@ -2727,7 +2727,7 @@
           <a:p>
             <a:fld id="{0BE8C07D-36AB-2444-93C5-156FEF9C6BE1}" type="datetimeFigureOut">
               <a:rPr lang="en-US" smtClean="0"/>
-              <a:t>7/28/14</a:t>
+              <a:t>8/29/14</a:t>
             </a:fld>
             <a:endParaRPr lang="en-US"/>
           </a:p>
@@ -3009,7 +3009,7 @@
           <a:p>
             <a:fld id="{0BE8C07D-36AB-2444-93C5-156FEF9C6BE1}" type="datetimeFigureOut">
               <a:rPr lang="en-US" smtClean="0"/>
-              <a:t>7/28/14</a:t>
+              <a:t>8/29/14</a:t>
             </a:fld>
             <a:endParaRPr lang="en-US"/>
           </a:p>
@@ -3216,7 +3216,7 @@
             <a:fld id="{0BE8C07D-36AB-2444-93C5-156FEF9C6BE1}" type="datetimeFigureOut">
               <a:rPr lang="en-US" smtClean="0"/>
               <a:pPr/>
-              <a:t>7/28/14</a:t>
+              <a:t>8/29/14</a:t>
             </a:fld>
             <a:endParaRPr lang="en-US"/>
           </a:p>
@@ -3718,50 +3718,6 @@
           </a:p>
         </p:txBody>
       </p:sp>
-      <p:sp>
-        <p:nvSpPr>
-          <p:cNvPr id="4" name="Rectangle 3"/>
-          <p:cNvSpPr/>
-          <p:nvPr/>
-        </p:nvSpPr>
-        <p:spPr>
-          <a:xfrm>
-            <a:off x="2286000" y="4634020"/>
-            <a:ext cx="4572000" cy="830997"/>
-          </a:xfrm>
-          <a:prstGeom prst="rect">
-            <a:avLst/>
-          </a:prstGeom>
-        </p:spPr>
-        <p:txBody>
-          <a:bodyPr>
-            <a:spAutoFit/>
-          </a:bodyPr>
-          <a:lstStyle/>
-          <a:p>
-            <a:pPr algn="ctr"/>
-            <a:r>
-              <a:rPr lang="en-US" sz="1600" dirty="0" smtClean="0"/>
-              <a:t>Mapping CSG Resources and Capabilities</a:t>
-            </a:r>
-          </a:p>
-          <a:p>
-            <a:pPr algn="ctr"/>
-            <a:r>
-              <a:rPr lang="en-US" sz="1600" dirty="0" smtClean="0"/>
-              <a:t>Enhancing Quality of Services</a:t>
-            </a:r>
-          </a:p>
-          <a:p>
-            <a:pPr algn="ctr"/>
-            <a:r>
-              <a:rPr lang="en-US" sz="1600" dirty="0" smtClean="0"/>
-              <a:t>Enhancing Solutions Capability</a:t>
-            </a:r>
-            <a:endParaRPr lang="en-US" sz="1600" dirty="0" smtClean="0"/>
-          </a:p>
-        </p:txBody>
-      </p:sp>
     </p:spTree>
     <p:extLst>
       <p:ext uri="{BB962C8B-B14F-4D97-AF65-F5344CB8AC3E}">
@@ -4024,10 +3980,6 @@
               </a:rPr>
               <a:t>Deployment Speed</a:t>
             </a:r>
-            <a:endParaRPr lang="en-US" sz="1600" b="1" dirty="0" smtClean="0">
-              <a:latin typeface="Arial"/>
-              <a:cs typeface="Arial"/>
-            </a:endParaRPr>
           </a:p>
           <a:p>
             <a:pPr algn="ctr"/>
@@ -4232,10 +4184,6 @@
               </a:rPr>
               <a:t>Availability Monitoring</a:t>
             </a:r>
-            <a:endParaRPr lang="en-US" sz="1600" dirty="0" smtClean="0">
-              <a:latin typeface="Arial"/>
-              <a:cs typeface="Arial"/>
-            </a:endParaRPr>
           </a:p>
           <a:p>
             <a:pPr algn="ctr"/>
@@ -4284,10 +4232,6 @@
               </a:rPr>
               <a:t>Secure Development</a:t>
             </a:r>
-            <a:endParaRPr lang="en-US" sz="1600" dirty="0" smtClean="0">
-              <a:latin typeface="Arial"/>
-              <a:cs typeface="Arial"/>
-            </a:endParaRPr>
           </a:p>
         </p:txBody>
       </p:sp>
@@ -4337,7 +4281,7 @@
         </p:blipFill>
         <p:spPr>
           <a:xfrm>
-            <a:off x="5560891" y="1359865"/>
+            <a:off x="4718075" y="2253613"/>
             <a:ext cx="873816" cy="1019452"/>
           </a:xfrm>
           <a:prstGeom prst="rect">
@@ -4361,7 +4305,7 @@
         </p:blipFill>
         <p:spPr>
           <a:xfrm>
-            <a:off x="7577334" y="187219"/>
+            <a:off x="6734518" y="1080967"/>
             <a:ext cx="937136" cy="1000456"/>
           </a:xfrm>
           <a:prstGeom prst="rect">
@@ -4385,7 +4329,7 @@
         </p:blipFill>
         <p:spPr>
           <a:xfrm>
-            <a:off x="7577334" y="2611361"/>
+            <a:off x="6734518" y="3505109"/>
             <a:ext cx="842156" cy="987792"/>
           </a:xfrm>
           <a:prstGeom prst="rect">
@@ -4401,7 +4345,7 @@
         </p:nvSpPr>
         <p:spPr>
           <a:xfrm>
-            <a:off x="4133521" y="2343604"/>
+            <a:off x="3290705" y="3237352"/>
             <a:ext cx="626043" cy="369332"/>
           </a:xfrm>
           <a:prstGeom prst="rect">
@@ -4431,7 +4375,7 @@
         </p:nvSpPr>
         <p:spPr>
           <a:xfrm>
-            <a:off x="1540334" y="3177906"/>
+            <a:off x="697518" y="4071654"/>
             <a:ext cx="1044765" cy="369332"/>
           </a:xfrm>
           <a:prstGeom prst="rect">
@@ -4461,7 +4405,7 @@
         </p:nvSpPr>
         <p:spPr>
           <a:xfrm>
-            <a:off x="3262681" y="4500068"/>
+            <a:off x="2419865" y="5393816"/>
             <a:ext cx="1090751" cy="369332"/>
           </a:xfrm>
           <a:prstGeom prst="rect">
@@ -4491,7 +4435,7 @@
         </p:nvSpPr>
         <p:spPr>
           <a:xfrm rot="21171167" flipH="1">
-            <a:off x="2847283" y="2006147"/>
+            <a:off x="2004467" y="2899895"/>
             <a:ext cx="1054714" cy="1065425"/>
           </a:xfrm>
           <a:prstGeom prst="circularArrow">
@@ -4539,7 +4483,7 @@
         </p:nvSpPr>
         <p:spPr>
           <a:xfrm rot="4385177">
-            <a:off x="7892133" y="1471445"/>
+            <a:off x="7049317" y="2365193"/>
             <a:ext cx="1054714" cy="1065425"/>
           </a:xfrm>
           <a:prstGeom prst="circularArrow">
@@ -4587,7 +4531,7 @@
         </p:nvSpPr>
         <p:spPr>
           <a:xfrm rot="11558653">
-            <a:off x="6303166" y="2262886"/>
+            <a:off x="5460350" y="3156634"/>
             <a:ext cx="1054714" cy="1065425"/>
           </a:xfrm>
           <a:prstGeom prst="circularArrow">
@@ -4635,7 +4579,7 @@
         </p:nvSpPr>
         <p:spPr>
           <a:xfrm rot="14020168" flipH="1">
-            <a:off x="2333181" y="3536025"/>
+            <a:off x="1490365" y="4429773"/>
             <a:ext cx="1054714" cy="1065425"/>
           </a:xfrm>
           <a:prstGeom prst="circularArrow">
@@ -4683,7 +4627,7 @@
         </p:nvSpPr>
         <p:spPr>
           <a:xfrm rot="18292709">
-            <a:off x="6438356" y="378722"/>
+            <a:off x="5595540" y="1272470"/>
             <a:ext cx="1054714" cy="1065425"/>
           </a:xfrm>
           <a:prstGeom prst="circularArrow">
@@ -4731,7 +4675,7 @@
         </p:nvSpPr>
         <p:spPr>
           <a:xfrm rot="10606868" flipH="1">
-            <a:off x="4651514" y="1597222"/>
+            <a:off x="3808698" y="2490970"/>
             <a:ext cx="1033270" cy="1065425"/>
           </a:xfrm>
           <a:prstGeom prst="circularArrow">
@@ -4779,7 +4723,7 @@
         </p:nvSpPr>
         <p:spPr>
           <a:xfrm rot="3022531">
-            <a:off x="3606164" y="908427"/>
+            <a:off x="2763348" y="1802175"/>
             <a:ext cx="1054714" cy="1065425"/>
           </a:xfrm>
           <a:prstGeom prst="circularArrow">
@@ -4827,7 +4771,7 @@
         </p:nvSpPr>
         <p:spPr>
           <a:xfrm>
-            <a:off x="3182093" y="695208"/>
+            <a:off x="2339277" y="1588956"/>
             <a:ext cx="737289" cy="369332"/>
           </a:xfrm>
           <a:prstGeom prst="rect">
@@ -4865,7 +4809,7 @@
         </p:blipFill>
         <p:spPr>
           <a:xfrm>
-            <a:off x="4133521" y="1814234"/>
+            <a:off x="3290705" y="2707982"/>
             <a:ext cx="606730" cy="606730"/>
           </a:xfrm>
           <a:prstGeom prst="rect">
@@ -4881,7 +4825,7 @@
         </p:nvSpPr>
         <p:spPr>
           <a:xfrm rot="10363111" flipH="1">
-            <a:off x="2754156" y="1917337"/>
+            <a:off x="1911340" y="2811085"/>
             <a:ext cx="1054714" cy="1065425"/>
           </a:xfrm>
           <a:prstGeom prst="circularArrow">
@@ -4937,7 +4881,7 @@
         </p:blipFill>
         <p:spPr>
           <a:xfrm>
-            <a:off x="1668660" y="2567816"/>
+            <a:off x="825844" y="3461564"/>
             <a:ext cx="663806" cy="663806"/>
           </a:xfrm>
           <a:prstGeom prst="rect">
@@ -4961,7 +4905,7 @@
         </p:blipFill>
         <p:spPr>
           <a:xfrm>
-            <a:off x="3451343" y="3922304"/>
+            <a:off x="2608527" y="4816052"/>
             <a:ext cx="781873" cy="667198"/>
           </a:xfrm>
           <a:prstGeom prst="rect">
@@ -4977,7 +4921,7 @@
         </p:nvSpPr>
         <p:spPr>
           <a:xfrm rot="7505069" flipH="1">
-            <a:off x="4083816" y="2970226"/>
+            <a:off x="3241000" y="3863974"/>
             <a:ext cx="1054714" cy="1065425"/>
           </a:xfrm>
           <a:prstGeom prst="circularArrow">
@@ -5216,31 +5160,35 @@
                 <a:latin typeface="Arial"/>
                 <a:cs typeface="Arial"/>
               </a:rPr>
-              <a:t>Identifying IT Weaknesses</a:t>
-            </a:r>
-          </a:p>
-          <a:p>
-            <a:pPr algn="ctr"/>
+              <a:t>Identifying IT </a:t>
+            </a:r>
+            <a:r>
+              <a:rPr lang="en-US" sz="1200" dirty="0">
+                <a:latin typeface="Arial"/>
+                <a:cs typeface="Arial"/>
+              </a:rPr>
+              <a:t>Bottlenecks</a:t>
+            </a:r>
+            <a:endParaRPr lang="en-US" sz="1200" dirty="0" smtClean="0">
+              <a:latin typeface="Arial"/>
+              <a:cs typeface="Arial"/>
+            </a:endParaRPr>
+          </a:p>
+          <a:p>
+            <a:pPr algn="ctr"/>
+            <a:r>
+              <a:rPr lang="en-US" sz="1200" smtClean="0">
+                <a:latin typeface="Arial"/>
+                <a:cs typeface="Arial"/>
+              </a:rPr>
+              <a:t>Identifying </a:t>
+            </a:r>
             <a:r>
               <a:rPr lang="en-US" sz="1200" dirty="0" smtClean="0">
                 <a:latin typeface="Arial"/>
                 <a:cs typeface="Arial"/>
               </a:rPr>
-              <a:t>Identifying Potential Bottlenecks</a:t>
-            </a:r>
-            <a:endParaRPr lang="en-US" sz="1200" dirty="0" smtClean="0">
-              <a:latin typeface="Arial"/>
-              <a:cs typeface="Arial"/>
-            </a:endParaRPr>
-          </a:p>
-          <a:p>
-            <a:pPr algn="ctr"/>
-            <a:r>
-              <a:rPr lang="en-US" sz="1200" dirty="0" smtClean="0">
-                <a:latin typeface="Arial"/>
-                <a:cs typeface="Arial"/>
-              </a:rPr>
-              <a:t>Identifying Future Candidates</a:t>
+              <a:t>Future Candidates</a:t>
             </a:r>
           </a:p>
           <a:p>
@@ -5279,10 +5227,6 @@
               </a:rPr>
               <a:t>Continuous Integration</a:t>
             </a:r>
-            <a:endParaRPr lang="en-US" sz="1200" dirty="0" smtClean="0">
-              <a:latin typeface="Arial"/>
-              <a:cs typeface="Arial"/>
-            </a:endParaRPr>
           </a:p>
           <a:p>
             <a:pPr algn="ctr"/>
@@ -5293,10 +5237,6 @@
               </a:rPr>
               <a:t>Behavior Driven Development</a:t>
             </a:r>
-            <a:endParaRPr lang="en-US" sz="1200" dirty="0" smtClean="0">
-              <a:latin typeface="Arial"/>
-              <a:cs typeface="Arial"/>
-            </a:endParaRPr>
           </a:p>
           <a:p>
             <a:pPr algn="ctr"/>
@@ -5378,10 +5318,6 @@
               </a:rPr>
               <a:t> Deployment </a:t>
             </a:r>
-            <a:endParaRPr lang="en-US" sz="1200" dirty="0" smtClean="0">
-              <a:latin typeface="Arial"/>
-              <a:cs typeface="Arial"/>
-            </a:endParaRPr>
           </a:p>
           <a:p>
             <a:pPr algn="ctr"/>
